--- a/notes/CKA_1-19.pptx
+++ b/notes/CKA_1-19.pptx
@@ -346,7 +346,7 @@
           <a:p>
             <a:fld id="{F15A6252-5F50-4106-9C23-9E03A675631E}" type="datetimeFigureOut">
               <a:rPr lang="en-IN" smtClean="0"/>
-              <a:t>19-10-2020</a:t>
+              <a:t>23-01-2021</a:t>
             </a:fld>
             <a:endParaRPr lang="en-IN"/>
           </a:p>
@@ -763,7 +763,7 @@
           <a:p>
             <a:fld id="{4086692B-153F-4DFE-BFBD-A2AE2C7443B6}" type="datetimeFigureOut">
               <a:rPr lang="en-IN" smtClean="0"/>
-              <a:t>19-10-2020</a:t>
+              <a:t>23-01-2021</a:t>
             </a:fld>
             <a:endParaRPr lang="en-IN"/>
           </a:p>
@@ -963,7 +963,7 @@
           <a:p>
             <a:fld id="{4086692B-153F-4DFE-BFBD-A2AE2C7443B6}" type="datetimeFigureOut">
               <a:rPr lang="en-IN" smtClean="0"/>
-              <a:t>19-10-2020</a:t>
+              <a:t>23-01-2021</a:t>
             </a:fld>
             <a:endParaRPr lang="en-IN"/>
           </a:p>
@@ -1173,7 +1173,7 @@
           <a:p>
             <a:fld id="{4086692B-153F-4DFE-BFBD-A2AE2C7443B6}" type="datetimeFigureOut">
               <a:rPr lang="en-IN" smtClean="0"/>
-              <a:t>19-10-2020</a:t>
+              <a:t>23-01-2021</a:t>
             </a:fld>
             <a:endParaRPr lang="en-IN"/>
           </a:p>
@@ -1373,7 +1373,7 @@
           <a:p>
             <a:fld id="{4086692B-153F-4DFE-BFBD-A2AE2C7443B6}" type="datetimeFigureOut">
               <a:rPr lang="en-IN" smtClean="0"/>
-              <a:t>19-10-2020</a:t>
+              <a:t>23-01-2021</a:t>
             </a:fld>
             <a:endParaRPr lang="en-IN"/>
           </a:p>
@@ -1649,7 +1649,7 @@
           <a:p>
             <a:fld id="{4086692B-153F-4DFE-BFBD-A2AE2C7443B6}" type="datetimeFigureOut">
               <a:rPr lang="en-IN" smtClean="0"/>
-              <a:t>19-10-2020</a:t>
+              <a:t>23-01-2021</a:t>
             </a:fld>
             <a:endParaRPr lang="en-IN"/>
           </a:p>
@@ -1917,7 +1917,7 @@
           <a:p>
             <a:fld id="{4086692B-153F-4DFE-BFBD-A2AE2C7443B6}" type="datetimeFigureOut">
               <a:rPr lang="en-IN" smtClean="0"/>
-              <a:t>19-10-2020</a:t>
+              <a:t>23-01-2021</a:t>
             </a:fld>
             <a:endParaRPr lang="en-IN"/>
           </a:p>
@@ -2332,7 +2332,7 @@
           <a:p>
             <a:fld id="{4086692B-153F-4DFE-BFBD-A2AE2C7443B6}" type="datetimeFigureOut">
               <a:rPr lang="en-IN" smtClean="0"/>
-              <a:t>19-10-2020</a:t>
+              <a:t>23-01-2021</a:t>
             </a:fld>
             <a:endParaRPr lang="en-IN"/>
           </a:p>
@@ -2474,7 +2474,7 @@
           <a:p>
             <a:fld id="{4086692B-153F-4DFE-BFBD-A2AE2C7443B6}" type="datetimeFigureOut">
               <a:rPr lang="en-IN" smtClean="0"/>
-              <a:t>19-10-2020</a:t>
+              <a:t>23-01-2021</a:t>
             </a:fld>
             <a:endParaRPr lang="en-IN"/>
           </a:p>
@@ -2587,7 +2587,7 @@
           <a:p>
             <a:fld id="{4086692B-153F-4DFE-BFBD-A2AE2C7443B6}" type="datetimeFigureOut">
               <a:rPr lang="en-IN" smtClean="0"/>
-              <a:t>19-10-2020</a:t>
+              <a:t>23-01-2021</a:t>
             </a:fld>
             <a:endParaRPr lang="en-IN"/>
           </a:p>
@@ -2900,7 +2900,7 @@
           <a:p>
             <a:fld id="{4086692B-153F-4DFE-BFBD-A2AE2C7443B6}" type="datetimeFigureOut">
               <a:rPr lang="en-IN" smtClean="0"/>
-              <a:t>19-10-2020</a:t>
+              <a:t>23-01-2021</a:t>
             </a:fld>
             <a:endParaRPr lang="en-IN"/>
           </a:p>
@@ -3189,7 +3189,7 @@
           <a:p>
             <a:fld id="{4086692B-153F-4DFE-BFBD-A2AE2C7443B6}" type="datetimeFigureOut">
               <a:rPr lang="en-IN" smtClean="0"/>
-              <a:t>19-10-2020</a:t>
+              <a:t>23-01-2021</a:t>
             </a:fld>
             <a:endParaRPr lang="en-IN"/>
           </a:p>
@@ -3432,7 +3432,7 @@
           <a:p>
             <a:fld id="{4086692B-153F-4DFE-BFBD-A2AE2C7443B6}" type="datetimeFigureOut">
               <a:rPr lang="en-IN" smtClean="0"/>
-              <a:t>19-10-2020</a:t>
+              <a:t>23-01-2021</a:t>
             </a:fld>
             <a:endParaRPr lang="en-IN"/>
           </a:p>
@@ -12506,7 +12506,7 @@
         <p:spPr>
           <a:xfrm>
             <a:off x="548640" y="1411228"/>
-            <a:ext cx="11125200" cy="5093702"/>
+            <a:ext cx="11125200" cy="3939540"/>
           </a:xfrm>
           <a:prstGeom prst="rect">
             <a:avLst/>
@@ -12552,20 +12552,26 @@
               <a:buChar char="•"/>
             </a:pPr>
             <a:r>
-              <a:rPr lang="en-US" sz="2500" b="1">
-                <a:solidFill>
-                  <a:schemeClr val="bg1"/>
-                </a:solidFill>
-              </a:rPr>
-              <a:t>Have </a:t>
-            </a:r>
-            <a:r>
               <a:rPr lang="en-US" sz="2500" b="1" dirty="0">
                 <a:solidFill>
                   <a:schemeClr val="bg1"/>
                 </a:solidFill>
               </a:rPr>
-              <a:t>different kind of resource </a:t>
+              <a:t>Have different kind of resource </a:t>
+            </a:r>
+          </a:p>
+          <a:p>
+            <a:pPr marL="1257300" lvl="2" indent="-342900">
+              <a:buFont typeface="Arial" panose="020B0604020202020204" pitchFamily="34" charset="0"/>
+              <a:buChar char="•"/>
+            </a:pPr>
+            <a:r>
+              <a:rPr lang="en-US" sz="2500" b="1" dirty="0">
+                <a:solidFill>
+                  <a:schemeClr val="bg1"/>
+                </a:solidFill>
+              </a:rPr>
+              <a:t>Manages to make that desired state happen. </a:t>
             </a:r>
           </a:p>
           <a:p>
@@ -12579,11 +12585,11 @@
                   <a:schemeClr val="bg1"/>
                 </a:solidFill>
               </a:rPr>
-              <a:t>					that it manages to make that desired state happen. </a:t>
-            </a:r>
-          </a:p>
-          <a:p>
-            <a:pPr marL="342900" indent="-342900">
+              <a:t>For e.g., </a:t>
+            </a:r>
+          </a:p>
+          <a:p>
+            <a:pPr marL="800100" lvl="1" indent="-342900">
               <a:buFont typeface="Arial" panose="020B0604020202020204" pitchFamily="34" charset="0"/>
               <a:buChar char="•"/>
             </a:pPr>
@@ -12593,32 +12599,73 @@
                   <a:schemeClr val="bg1"/>
                 </a:solidFill>
               </a:rPr>
-              <a:t>				For example, a controller for Jobs tracks Job objects (to discover new work) and Pod objects (to run the Jobs, and then to see when the work is finished). In this case something else creates the Jobs, whereas the Job controller creates Pods.</a:t>
-            </a:r>
-          </a:p>
-          <a:p>
-            <a:pPr marL="342900" indent="-342900">
+              <a:t>Job Controller tracks Job objects (to discover new work) </a:t>
+            </a:r>
+          </a:p>
+          <a:p>
+            <a:pPr marL="1257300" lvl="2" indent="-342900">
               <a:buFont typeface="Arial" panose="020B0604020202020204" pitchFamily="34" charset="0"/>
               <a:buChar char="•"/>
             </a:pPr>
-            <a:endParaRPr lang="en-US" sz="2500" b="1" dirty="0">
-              <a:solidFill>
-                <a:schemeClr val="bg1"/>
-              </a:solidFill>
-            </a:endParaRPr>
-          </a:p>
-          <a:p>
-            <a:pPr marL="342900" indent="-342900">
+            <a:r>
+              <a:rPr lang="en-US" sz="2500" b="1" dirty="0">
+                <a:solidFill>
+                  <a:schemeClr val="bg1"/>
+                </a:solidFill>
+              </a:rPr>
+              <a:t>Pod objects (to run the Jobs, and then to see when the work is finished).</a:t>
+            </a:r>
+          </a:p>
+          <a:p>
+            <a:pPr marL="1257300" lvl="2" indent="-342900">
               <a:buFont typeface="Arial" panose="020B0604020202020204" pitchFamily="34" charset="0"/>
               <a:buChar char="•"/>
             </a:pPr>
             <a:r>
+              <a:rPr lang="en-US" sz="2500" b="1">
+                <a:solidFill>
+                  <a:schemeClr val="bg1"/>
+                </a:solidFill>
+              </a:rPr>
+              <a:t> </a:t>
+            </a:r>
+            <a:r>
               <a:rPr lang="en-US" sz="2500" b="1" dirty="0">
                 <a:solidFill>
                   <a:schemeClr val="bg1"/>
                 </a:solidFill>
               </a:rPr>
-              <a:t>				It's useful to have simple controllers rather than one, monolithic set of control loops that are interlinked. Controllers can fail, so Kubernetes is designed to allow for that.</a:t>
+              <a:t>It's useful to have simple controllers rather than one, monolithic set of control loops that are interlinked</a:t>
+            </a:r>
+            <a:r>
+              <a:rPr lang="en-US" sz="2500" b="1">
+                <a:solidFill>
+                  <a:schemeClr val="bg1"/>
+                </a:solidFill>
+              </a:rPr>
+              <a:t>. </a:t>
+            </a:r>
+          </a:p>
+          <a:p>
+            <a:pPr marL="1257300" lvl="2" indent="-342900">
+              <a:buFont typeface="Arial" panose="020B0604020202020204" pitchFamily="34" charset="0"/>
+              <a:buChar char="•"/>
+            </a:pPr>
+            <a:r>
+              <a:rPr lang="en-US" sz="2500" b="1">
+                <a:solidFill>
+                  <a:schemeClr val="bg1"/>
+                </a:solidFill>
+              </a:rPr>
+              <a:t>Controllers </a:t>
+            </a:r>
+            <a:r>
+              <a:rPr lang="en-US" sz="2500" b="1" dirty="0">
+                <a:solidFill>
+                  <a:schemeClr val="bg1"/>
+                </a:solidFill>
+              </a:rPr>
+              <a:t>can fail, so Kubernetes is designed to allow for that.</a:t>
             </a:r>
           </a:p>
         </p:txBody>
@@ -14212,7 +14259,7 @@
         </p:nvSpPr>
         <p:spPr>
           <a:xfrm>
-            <a:off x="1295400" y="1411228"/>
+            <a:off x="1248052" y="1437861"/>
             <a:ext cx="7837714" cy="3554819"/>
           </a:xfrm>
           <a:prstGeom prst="rect">
@@ -14232,24 +14279,24 @@
                   <a:schemeClr val="bg1"/>
                 </a:solidFill>
               </a:rPr>
-              <a:t>Cluster Architecture, Installation &amp; Configuration</a:t>
-            </a:r>
-          </a:p>
-          <a:p>
-            <a:endParaRPr lang="en-IN" sz="2500" b="1" dirty="0">
-              <a:solidFill>
-                <a:schemeClr val="bg1"/>
-              </a:solidFill>
-            </a:endParaRPr>
-          </a:p>
-          <a:p>
-            <a:r>
-              <a:rPr lang="en-IN" sz="2500" b="1" dirty="0">
-                <a:solidFill>
-                  <a:schemeClr val="bg1"/>
-                </a:solidFill>
-              </a:rPr>
-              <a:t>Workloads &amp; Scheduling</a:t>
+              <a:t>Cluster Architecture, Installation &amp; Configuration (25%)</a:t>
+            </a:r>
+          </a:p>
+          <a:p>
+            <a:endParaRPr lang="en-IN" sz="2500" b="1" dirty="0">
+              <a:solidFill>
+                <a:schemeClr val="bg1"/>
+              </a:solidFill>
+            </a:endParaRPr>
+          </a:p>
+          <a:p>
+            <a:r>
+              <a:rPr lang="en-IN" sz="2500" b="1" dirty="0">
+                <a:solidFill>
+                  <a:schemeClr val="bg1"/>
+                </a:solidFill>
+              </a:rPr>
+              <a:t>Workloads &amp; Scheduling (15%)</a:t>
             </a:r>
             <a:endParaRPr lang="en-US" sz="2500" b="1" dirty="0">
               <a:solidFill>
@@ -14271,41 +14318,41 @@
                   <a:schemeClr val="bg1"/>
                 </a:solidFill>
               </a:rPr>
-              <a:t>Services &amp; Networking</a:t>
-            </a:r>
-          </a:p>
-          <a:p>
-            <a:endParaRPr lang="en-IN" sz="2500" b="1" dirty="0">
-              <a:solidFill>
-                <a:schemeClr val="bg1"/>
-              </a:solidFill>
-            </a:endParaRPr>
-          </a:p>
-          <a:p>
-            <a:r>
-              <a:rPr lang="en-IN" sz="2500" b="1" dirty="0">
-                <a:solidFill>
-                  <a:schemeClr val="bg1"/>
-                </a:solidFill>
-              </a:rPr>
-              <a:t>Storage</a:t>
-            </a:r>
-          </a:p>
-          <a:p>
-            <a:endParaRPr lang="en-IN" sz="2500" b="1" dirty="0">
-              <a:solidFill>
-                <a:schemeClr val="bg1"/>
-              </a:solidFill>
-            </a:endParaRPr>
-          </a:p>
-          <a:p>
-            <a:r>
-              <a:rPr lang="en-IN" sz="2500" b="1" dirty="0">
-                <a:solidFill>
-                  <a:schemeClr val="bg1"/>
-                </a:solidFill>
-              </a:rPr>
-              <a:t>Troubleshooting</a:t>
+              <a:t>Services &amp; Networking (20%)</a:t>
+            </a:r>
+          </a:p>
+          <a:p>
+            <a:endParaRPr lang="en-IN" sz="2500" b="1" dirty="0">
+              <a:solidFill>
+                <a:schemeClr val="bg1"/>
+              </a:solidFill>
+            </a:endParaRPr>
+          </a:p>
+          <a:p>
+            <a:r>
+              <a:rPr lang="en-IN" sz="2500" b="1" dirty="0">
+                <a:solidFill>
+                  <a:schemeClr val="bg1"/>
+                </a:solidFill>
+              </a:rPr>
+              <a:t>Storage (10%)</a:t>
+            </a:r>
+          </a:p>
+          <a:p>
+            <a:endParaRPr lang="en-IN" sz="2500" b="1" dirty="0">
+              <a:solidFill>
+                <a:schemeClr val="bg1"/>
+              </a:solidFill>
+            </a:endParaRPr>
+          </a:p>
+          <a:p>
+            <a:r>
+              <a:rPr lang="en-IN" sz="2500" b="1" dirty="0">
+                <a:solidFill>
+                  <a:schemeClr val="bg1"/>
+                </a:solidFill>
+              </a:rPr>
+              <a:t>Troubleshooting (30%)</a:t>
             </a:r>
             <a:endParaRPr lang="en-US" sz="2500" b="1" dirty="0">
               <a:solidFill>
@@ -26722,7 +26769,7 @@
                   <a:schemeClr val="bg1"/>
                 </a:solidFill>
               </a:rPr>
-              <a:t>Component of the Kubernetes control plane </a:t>
+              <a:t>Components of the Kubernetes control plane </a:t>
             </a:r>
           </a:p>
           <a:p>
@@ -33013,7 +33060,7 @@
             </a:r>
           </a:p>
           <a:p>
-            <a:pPr marL="342900" indent="-342900">
+            <a:pPr marL="800100" lvl="1" indent="-342900">
               <a:buFont typeface="Arial" panose="020B0604020202020204" pitchFamily="34" charset="0"/>
               <a:buChar char="•"/>
             </a:pPr>
